--- a/chapter18/pic/pic.pptx
+++ b/chapter18/pic/pic.pptx
@@ -288,7 +288,7 @@
           <a:p>
             <a:fld id="{530820CF-B880-4189-942D-D702A7CBA730}" type="datetimeFigureOut">
               <a:rPr lang="zh-CN" altLang="en-US" smtClean="0"/>
-              <a:t>2020/4/1</a:t>
+              <a:t>2020/4/3</a:t>
             </a:fld>
             <a:endParaRPr lang="zh-CN" altLang="en-US"/>
           </a:p>
@@ -453,7 +453,7 @@
           <a:p>
             <a:fld id="{530820CF-B880-4189-942D-D702A7CBA730}" type="datetimeFigureOut">
               <a:rPr lang="zh-CN" altLang="en-US" smtClean="0"/>
-              <a:t>2020/4/1</a:t>
+              <a:t>2020/4/3</a:t>
             </a:fld>
             <a:endParaRPr lang="zh-CN" altLang="en-US"/>
           </a:p>
@@ -628,7 +628,7 @@
           <a:p>
             <a:fld id="{530820CF-B880-4189-942D-D702A7CBA730}" type="datetimeFigureOut">
               <a:rPr lang="zh-CN" altLang="en-US" smtClean="0"/>
-              <a:t>2020/4/1</a:t>
+              <a:t>2020/4/3</a:t>
             </a:fld>
             <a:endParaRPr lang="zh-CN" altLang="en-US"/>
           </a:p>
@@ -793,7 +793,7 @@
           <a:p>
             <a:fld id="{530820CF-B880-4189-942D-D702A7CBA730}" type="datetimeFigureOut">
               <a:rPr lang="zh-CN" altLang="en-US" smtClean="0"/>
-              <a:t>2020/4/1</a:t>
+              <a:t>2020/4/3</a:t>
             </a:fld>
             <a:endParaRPr lang="zh-CN" altLang="en-US"/>
           </a:p>
@@ -1034,7 +1034,7 @@
           <a:p>
             <a:fld id="{530820CF-B880-4189-942D-D702A7CBA730}" type="datetimeFigureOut">
               <a:rPr lang="zh-CN" altLang="en-US" smtClean="0"/>
-              <a:t>2020/4/1</a:t>
+              <a:t>2020/4/3</a:t>
             </a:fld>
             <a:endParaRPr lang="zh-CN" altLang="en-US"/>
           </a:p>
@@ -1317,7 +1317,7 @@
           <a:p>
             <a:fld id="{530820CF-B880-4189-942D-D702A7CBA730}" type="datetimeFigureOut">
               <a:rPr lang="zh-CN" altLang="en-US" smtClean="0"/>
-              <a:t>2020/4/1</a:t>
+              <a:t>2020/4/3</a:t>
             </a:fld>
             <a:endParaRPr lang="zh-CN" altLang="en-US"/>
           </a:p>
@@ -1734,7 +1734,7 @@
           <a:p>
             <a:fld id="{530820CF-B880-4189-942D-D702A7CBA730}" type="datetimeFigureOut">
               <a:rPr lang="zh-CN" altLang="en-US" smtClean="0"/>
-              <a:t>2020/4/1</a:t>
+              <a:t>2020/4/3</a:t>
             </a:fld>
             <a:endParaRPr lang="zh-CN" altLang="en-US"/>
           </a:p>
@@ -1847,7 +1847,7 @@
           <a:p>
             <a:fld id="{530820CF-B880-4189-942D-D702A7CBA730}" type="datetimeFigureOut">
               <a:rPr lang="zh-CN" altLang="en-US" smtClean="0"/>
-              <a:t>2020/4/1</a:t>
+              <a:t>2020/4/3</a:t>
             </a:fld>
             <a:endParaRPr lang="zh-CN" altLang="en-US"/>
           </a:p>
@@ -1937,7 +1937,7 @@
           <a:p>
             <a:fld id="{530820CF-B880-4189-942D-D702A7CBA730}" type="datetimeFigureOut">
               <a:rPr lang="zh-CN" altLang="en-US" smtClean="0"/>
-              <a:t>2020/4/1</a:t>
+              <a:t>2020/4/3</a:t>
             </a:fld>
             <a:endParaRPr lang="zh-CN" altLang="en-US"/>
           </a:p>
@@ -2209,7 +2209,7 @@
           <a:p>
             <a:fld id="{530820CF-B880-4189-942D-D702A7CBA730}" type="datetimeFigureOut">
               <a:rPr lang="zh-CN" altLang="en-US" smtClean="0"/>
-              <a:t>2020/4/1</a:t>
+              <a:t>2020/4/3</a:t>
             </a:fld>
             <a:endParaRPr lang="zh-CN" altLang="en-US"/>
           </a:p>
@@ -2457,7 +2457,7 @@
           <a:p>
             <a:fld id="{530820CF-B880-4189-942D-D702A7CBA730}" type="datetimeFigureOut">
               <a:rPr lang="zh-CN" altLang="en-US" smtClean="0"/>
-              <a:t>2020/4/1</a:t>
+              <a:t>2020/4/3</a:t>
             </a:fld>
             <a:endParaRPr lang="zh-CN" altLang="en-US"/>
           </a:p>
@@ -2665,7 +2665,7 @@
           <a:p>
             <a:fld id="{530820CF-B880-4189-942D-D702A7CBA730}" type="datetimeFigureOut">
               <a:rPr lang="zh-CN" altLang="en-US" smtClean="0"/>
-              <a:t>2020/4/1</a:t>
+              <a:t>2020/4/3</a:t>
             </a:fld>
             <a:endParaRPr lang="zh-CN" altLang="en-US"/>
           </a:p>
@@ -3043,7 +3043,7 @@
         </p:nvSpPr>
         <p:spPr>
           <a:xfrm>
-            <a:off x="3420271" y="2274257"/>
+            <a:off x="3912443" y="2289623"/>
             <a:ext cx="3095945" cy="3312368"/>
           </a:xfrm>
           <a:prstGeom prst="rect">
@@ -3083,7 +3083,7 @@
         </p:nvSpPr>
         <p:spPr>
           <a:xfrm>
-            <a:off x="935596" y="3565879"/>
+            <a:off x="1427768" y="3581245"/>
             <a:ext cx="3384376" cy="864096"/>
           </a:xfrm>
           <a:prstGeom prst="rightArrow">
@@ -3123,7 +3123,7 @@
         </p:nvSpPr>
         <p:spPr>
           <a:xfrm>
-            <a:off x="-2232" y="3053278"/>
+            <a:off x="489940" y="3068644"/>
             <a:ext cx="1224136" cy="1754326"/>
           </a:xfrm>
           <a:prstGeom prst="rect">
@@ -3153,7 +3153,7 @@
         </p:nvSpPr>
         <p:spPr>
           <a:xfrm>
-            <a:off x="1076473" y="1916832"/>
+            <a:off x="2158774" y="1913320"/>
             <a:ext cx="2595808" cy="1815882"/>
           </a:xfrm>
           <a:prstGeom prst="rect">
@@ -3168,36 +3168,33 @@
           <a:lstStyle/>
           <a:p>
             <a:r>
-              <a:rPr lang="zh-CN" altLang="zh-CN" sz="2800" dirty="0"/>
-              <a:t>有机</a:t>
-            </a:r>
-            <a:r>
-              <a:rPr lang="zh-CN" altLang="zh-CN" sz="2800" dirty="0" smtClean="0"/>
-              <a:t>负荷</a:t>
+              <a:rPr lang="zh-CN" altLang="en-US" sz="2800" dirty="0" smtClean="0"/>
+              <a:t>有机质</a:t>
             </a:r>
             <a:endParaRPr lang="en-US" altLang="zh-CN" sz="2800" dirty="0" smtClean="0"/>
           </a:p>
           <a:p>
             <a:r>
-              <a:rPr lang="zh-CN" altLang="zh-CN" sz="2800" dirty="0" smtClean="0"/>
-              <a:t>进水量</a:t>
+              <a:rPr lang="zh-CN" altLang="en-US" sz="2800" dirty="0" smtClean="0"/>
+              <a:t>输入量</a:t>
             </a:r>
             <a:endParaRPr lang="en-US" altLang="zh-CN" sz="2800" dirty="0" smtClean="0"/>
           </a:p>
           <a:p>
             <a:r>
-              <a:rPr lang="zh-CN" altLang="zh-CN" sz="2800" dirty="0" smtClean="0"/>
-              <a:t>进水</a:t>
-            </a:r>
-            <a:r>
-              <a:rPr lang="en-US" altLang="zh-CN" sz="2800" dirty="0" smtClean="0"/>
-              <a:t>COD</a:t>
-            </a:r>
-          </a:p>
-          <a:p>
-            <a:r>
-              <a:rPr lang="zh-CN" altLang="zh-CN" sz="2800" dirty="0" smtClean="0"/>
-              <a:t>水力负荷</a:t>
+              <a:rPr lang="zh-CN" altLang="en-US" sz="2800" dirty="0"/>
+              <a:t>总</a:t>
+            </a:r>
+            <a:r>
+              <a:rPr lang="zh-CN" altLang="en-US" sz="2800" dirty="0" smtClean="0"/>
+              <a:t>磷</a:t>
+            </a:r>
+            <a:endParaRPr lang="en-US" altLang="zh-CN" sz="2800" dirty="0" smtClean="0"/>
+          </a:p>
+          <a:p>
+            <a:r>
+              <a:rPr lang="zh-CN" altLang="en-US" sz="2800" dirty="0" smtClean="0"/>
+              <a:t>压力负荷</a:t>
             </a:r>
             <a:endParaRPr lang="en-US" altLang="zh-CN" sz="2800" dirty="0" smtClean="0"/>
           </a:p>
@@ -3211,7 +3208,7 @@
         </p:nvSpPr>
         <p:spPr>
           <a:xfrm>
-            <a:off x="1167644" y="4161274"/>
+            <a:off x="2186319" y="4300418"/>
             <a:ext cx="4572000" cy="2246769"/>
           </a:xfrm>
           <a:prstGeom prst="rect">
@@ -3247,29 +3244,22 @@
           </a:p>
           <a:p>
             <a:r>
-              <a:rPr lang="zh-CN" altLang="zh-CN" sz="2800" dirty="0"/>
-              <a:t>进水温度</a:t>
+              <a:rPr lang="zh-CN" altLang="zh-CN" sz="2800" dirty="0" smtClean="0"/>
+              <a:t>温度</a:t>
             </a:r>
             <a:endParaRPr lang="en-US" altLang="zh-CN" sz="2800" dirty="0"/>
           </a:p>
           <a:p>
             <a:r>
-              <a:rPr lang="zh-CN" altLang="zh-CN" sz="2800" dirty="0"/>
-              <a:t>进水</a:t>
-            </a:r>
-            <a:r>
-              <a:rPr lang="en-US" altLang="zh-CN" sz="2800" dirty="0"/>
-              <a:t>TSS</a:t>
-            </a:r>
-          </a:p>
-          <a:p>
-            <a:r>
-              <a:rPr lang="zh-CN" altLang="zh-CN" sz="2800" dirty="0"/>
-              <a:t>进水</a:t>
-            </a:r>
-            <a:r>
-              <a:rPr lang="en-US" altLang="zh-CN" sz="2800" dirty="0"/>
-              <a:t>VFA</a:t>
+              <a:rPr lang="zh-CN" altLang="en-US" sz="2800" dirty="0" smtClean="0"/>
+              <a:t>总固体</a:t>
+            </a:r>
+            <a:endParaRPr lang="en-US" altLang="zh-CN" sz="2800" dirty="0" smtClean="0"/>
+          </a:p>
+          <a:p>
+            <a:r>
+              <a:rPr lang="zh-CN" altLang="en-US" sz="2800" dirty="0" smtClean="0"/>
+              <a:t>挥发性固体</a:t>
             </a:r>
             <a:endParaRPr lang="zh-CN" altLang="en-US" sz="2800" dirty="0"/>
           </a:p>
@@ -3283,7 +3273,7 @@
         </p:nvSpPr>
         <p:spPr>
           <a:xfrm>
-            <a:off x="3670339" y="2632330"/>
+            <a:off x="4162511" y="2647696"/>
             <a:ext cx="2595808" cy="2985433"/>
           </a:xfrm>
           <a:prstGeom prst="rect">
@@ -3367,7 +3357,7 @@
         </p:nvSpPr>
         <p:spPr>
           <a:xfrm>
-            <a:off x="5868144" y="3565879"/>
+            <a:off x="6360316" y="3581245"/>
             <a:ext cx="2340459" cy="864096"/>
           </a:xfrm>
           <a:prstGeom prst="rightArrow">
@@ -3407,7 +3397,7 @@
         </p:nvSpPr>
         <p:spPr>
           <a:xfrm>
-            <a:off x="6608113" y="2113398"/>
+            <a:off x="7100285" y="2128764"/>
             <a:ext cx="1907958" cy="1384995"/>
           </a:xfrm>
           <a:prstGeom prst="rect">
@@ -3421,8 +3411,8 @@
           <a:lstStyle/>
           <a:p>
             <a:r>
-              <a:rPr lang="zh-CN" altLang="zh-CN" sz="2800" dirty="0"/>
-              <a:t>出水</a:t>
+              <a:rPr lang="zh-CN" altLang="en-US" sz="2800" dirty="0"/>
+              <a:t>产物</a:t>
             </a:r>
             <a:r>
               <a:rPr lang="en-US" altLang="zh-CN" sz="2800" dirty="0" smtClean="0"/>
@@ -3443,11 +3433,11 @@
           </a:p>
           <a:p>
             <a:r>
-              <a:rPr lang="zh-CN" altLang="zh-CN" sz="2800" dirty="0" smtClean="0"/>
-              <a:t>出水</a:t>
-            </a:r>
-            <a:r>
-              <a:rPr lang="en-US" altLang="zh-CN" sz="2800" dirty="0"/>
+              <a:rPr lang="zh-CN" altLang="en-US" sz="2800" dirty="0"/>
+              <a:t>产出物</a:t>
+            </a:r>
+            <a:r>
+              <a:rPr lang="en-US" altLang="zh-CN" sz="2800" dirty="0" smtClean="0"/>
               <a:t>VFA</a:t>
             </a:r>
             <a:endParaRPr lang="zh-CN" altLang="en-US" sz="2800" dirty="0"/>
@@ -3462,7 +3452,7 @@
         </p:nvSpPr>
         <p:spPr>
           <a:xfrm>
-            <a:off x="4139952" y="5761712"/>
+            <a:off x="4632124" y="5777078"/>
             <a:ext cx="2270211" cy="646331"/>
           </a:xfrm>
           <a:prstGeom prst="rect">
@@ -3479,6 +3469,203 @@
             <a:r>
               <a:rPr lang="zh-CN" altLang="en-US" sz="3600" b="1" dirty="0" smtClean="0"/>
               <a:t>反应器</a:t>
+            </a:r>
+            <a:endParaRPr lang="zh-CN" altLang="en-US" sz="3600" b="1" dirty="0"/>
+          </a:p>
+        </p:txBody>
+      </p:sp>
+      <p:sp>
+        <p:nvSpPr>
+          <p:cNvPr id="2" name="AutoShape 2" descr="http://img.wjw.cn/mbr1103/mbr110322114950812903/PicNatural/IMG130221210842484959.jpg"/>
+          <p:cNvSpPr>
+            <a:spLocks noChangeAspect="1" noChangeArrowheads="1"/>
+          </p:cNvSpPr>
+          <p:nvPr/>
+        </p:nvSpPr>
+        <p:spPr bwMode="auto">
+          <a:xfrm>
+            <a:off x="155575" y="-144463"/>
+            <a:ext cx="304800" cy="304801"/>
+          </a:xfrm>
+          <a:prstGeom prst="rect">
+            <a:avLst/>
+          </a:prstGeom>
+          <a:noFill/>
+          <a:extLst>
+            <a:ext uri="{909E8E84-426E-40DD-AFC4-6F175D3DCCD1}">
+              <a14:hiddenFill xmlns:a14="http://schemas.microsoft.com/office/drawing/2010/main">
+                <a:solidFill>
+                  <a:srgbClr val="FFFFFF"/>
+                </a:solidFill>
+              </a14:hiddenFill>
+            </a:ext>
+          </a:extLst>
+        </p:spPr>
+        <p:txBody>
+          <a:bodyPr vert="horz" wrap="square" lIns="91440" tIns="45720" rIns="91440" bIns="45720" numCol="1" anchor="t" anchorCtr="0" compatLnSpc="1">
+            <a:prstTxWarp prst="textNoShape">
+              <a:avLst/>
+            </a:prstTxWarp>
+          </a:bodyPr>
+          <a:lstStyle/>
+          <a:p>
+            <a:endParaRPr lang="zh-CN" altLang="en-US"/>
+          </a:p>
+        </p:txBody>
+      </p:sp>
+      <p:pic>
+        <p:nvPicPr>
+          <p:cNvPr id="1027" name="Picture 3"/>
+          <p:cNvPicPr>
+            <a:picLocks noChangeAspect="1" noChangeArrowheads="1"/>
+          </p:cNvPicPr>
+          <p:nvPr/>
+        </p:nvPicPr>
+        <p:blipFill>
+          <a:blip r:embed="rId2" cstate="print">
+            <a:extLst>
+              <a:ext uri="{28A0092B-C50C-407E-A947-70E740481C1C}">
+                <a14:useLocalDpi xmlns:a14="http://schemas.microsoft.com/office/drawing/2010/main" val="0"/>
+              </a:ext>
+            </a:extLst>
+          </a:blip>
+          <a:srcRect/>
+          <a:stretch>
+            <a:fillRect/>
+          </a:stretch>
+        </p:blipFill>
+        <p:spPr bwMode="auto">
+          <a:xfrm>
+            <a:off x="222159" y="3212089"/>
+            <a:ext cx="1686206" cy="1478241"/>
+          </a:xfrm>
+          <a:prstGeom prst="rect">
+            <a:avLst/>
+          </a:prstGeom>
+          <a:noFill/>
+          <a:ln>
+            <a:noFill/>
+          </a:ln>
+          <a:effectLst/>
+          <a:extLst>
+            <a:ext uri="{909E8E84-426E-40DD-AFC4-6F175D3DCCD1}">
+              <a14:hiddenFill xmlns:a14="http://schemas.microsoft.com/office/drawing/2010/main">
+                <a:solidFill>
+                  <a:schemeClr val="accent1"/>
+                </a:solidFill>
+              </a14:hiddenFill>
+            </a:ext>
+            <a:ext uri="{91240B29-F687-4F45-9708-019B960494DF}">
+              <a14:hiddenLine xmlns:a14="http://schemas.microsoft.com/office/drawing/2010/main" w="9525">
+                <a:solidFill>
+                  <a:schemeClr val="tx1"/>
+                </a:solidFill>
+                <a:miter lim="800000"/>
+                <a:headEnd/>
+                <a:tailEnd/>
+              </a14:hiddenLine>
+            </a:ext>
+            <a:ext uri="{AF507438-7753-43E0-B8FC-AC1667EBCBE1}">
+              <a14:hiddenEffects xmlns:a14="http://schemas.microsoft.com/office/drawing/2010/main">
+                <a:effectLst>
+                  <a:outerShdw dist="35921" dir="2700000" algn="ctr" rotWithShape="0">
+                    <a:schemeClr val="bg2"/>
+                  </a:outerShdw>
+                </a:effectLst>
+              </a14:hiddenEffects>
+            </a:ext>
+          </a:extLst>
+        </p:spPr>
+      </p:pic>
+      <p:pic>
+        <p:nvPicPr>
+          <p:cNvPr id="1028" name="Picture 4"/>
+          <p:cNvPicPr>
+            <a:picLocks noChangeAspect="1" noChangeArrowheads="1"/>
+          </p:cNvPicPr>
+          <p:nvPr/>
+        </p:nvPicPr>
+        <p:blipFill>
+          <a:blip r:embed="rId3" cstate="print">
+            <a:extLst>
+              <a:ext uri="{28A0092B-C50C-407E-A947-70E740481C1C}">
+                <a14:useLocalDpi xmlns:a14="http://schemas.microsoft.com/office/drawing/2010/main" val="0"/>
+              </a:ext>
+            </a:extLst>
+          </a:blip>
+          <a:srcRect/>
+          <a:stretch>
+            <a:fillRect/>
+          </a:stretch>
+        </p:blipFill>
+        <p:spPr bwMode="auto">
+          <a:xfrm>
+            <a:off x="4290800" y="3174919"/>
+            <a:ext cx="1927021" cy="1464536"/>
+          </a:xfrm>
+          <a:prstGeom prst="rect">
+            <a:avLst/>
+          </a:prstGeom>
+          <a:noFill/>
+          <a:ln>
+            <a:noFill/>
+          </a:ln>
+          <a:effectLst/>
+          <a:extLst>
+            <a:ext uri="{909E8E84-426E-40DD-AFC4-6F175D3DCCD1}">
+              <a14:hiddenFill xmlns:a14="http://schemas.microsoft.com/office/drawing/2010/main">
+                <a:solidFill>
+                  <a:schemeClr val="accent1"/>
+                </a:solidFill>
+              </a14:hiddenFill>
+            </a:ext>
+            <a:ext uri="{91240B29-F687-4F45-9708-019B960494DF}">
+              <a14:hiddenLine xmlns:a14="http://schemas.microsoft.com/office/drawing/2010/main" w="9525">
+                <a:solidFill>
+                  <a:schemeClr val="tx1"/>
+                </a:solidFill>
+                <a:miter lim="800000"/>
+                <a:headEnd/>
+                <a:tailEnd/>
+              </a14:hiddenLine>
+            </a:ext>
+            <a:ext uri="{AF507438-7753-43E0-B8FC-AC1667EBCBE1}">
+              <a14:hiddenEffects xmlns:a14="http://schemas.microsoft.com/office/drawing/2010/main">
+                <a:effectLst>
+                  <a:outerShdw dist="35921" dir="2700000" algn="ctr" rotWithShape="0">
+                    <a:schemeClr val="bg2"/>
+                  </a:outerShdw>
+                </a:effectLst>
+              </a14:hiddenEffects>
+            </a:ext>
+          </a:extLst>
+        </p:spPr>
+      </p:pic>
+      <p:sp>
+        <p:nvSpPr>
+          <p:cNvPr id="14" name="TextBox 13"/>
+          <p:cNvSpPr txBox="1"/>
+          <p:nvPr/>
+        </p:nvSpPr>
+        <p:spPr>
+          <a:xfrm>
+            <a:off x="0" y="4777471"/>
+            <a:ext cx="2270211" cy="646331"/>
+          </a:xfrm>
+          <a:prstGeom prst="rect">
+            <a:avLst/>
+          </a:prstGeom>
+          <a:noFill/>
+        </p:spPr>
+        <p:txBody>
+          <a:bodyPr wrap="square" rtlCol="0">
+            <a:spAutoFit/>
+          </a:bodyPr>
+          <a:lstStyle/>
+          <a:p>
+            <a:r>
+              <a:rPr lang="zh-CN" altLang="en-US" sz="3600" b="1" dirty="0" smtClean="0"/>
+              <a:t>餐厨垃圾</a:t>
             </a:r>
             <a:endParaRPr lang="zh-CN" altLang="en-US" sz="3600" b="1" dirty="0"/>
           </a:p>
